--- a/misc/DARTBLADE.pptx
+++ b/misc/DARTBLADE.pptx
@@ -566,7 +566,7 @@
           <a:effectLst/>
           <a:extLst>
             <a:ext uri="{91240B29-F687-4f45-9708-019B960494DF}">
-              <a14:hiddenLine xmlns:a14="http://schemas.microsoft.com/office/drawing/2010/main" xmlns="" w="9525">
+              <a14:hiddenLine xmlns="" xmlns:a14="http://schemas.microsoft.com/office/drawing/2010/main" w="9525">
                 <a:solidFill>
                   <a:srgbClr val="000000"/>
                 </a:solidFill>
@@ -2088,7 +2088,7 @@
           <a:ln/>
           <a:extLst>
             <a:ext uri="{91240B29-F687-4f45-9708-019B960494DF}">
-              <a14:hiddenLine xmlns:a14="http://schemas.microsoft.com/office/drawing/2010/main" xmlns="" w="9525">
+              <a14:hiddenLine xmlns="" xmlns:a14="http://schemas.microsoft.com/office/drawing/2010/main" w="9525">
                 <a:solidFill>
                   <a:srgbClr val="000000"/>
                 </a:solidFill>
@@ -2363,7 +2363,7 @@
           <a:ln/>
           <a:extLst>
             <a:ext uri="{91240B29-F687-4f45-9708-019B960494DF}">
-              <a14:hiddenLine xmlns:a14="http://schemas.microsoft.com/office/drawing/2010/main" xmlns="" w="9525">
+              <a14:hiddenLine xmlns="" xmlns:a14="http://schemas.microsoft.com/office/drawing/2010/main" w="9525">
                 <a:solidFill>
                   <a:srgbClr val="000000"/>
                 </a:solidFill>
@@ -2646,7 +2646,7 @@
           <a:ln/>
           <a:extLst>
             <a:ext uri="{91240B29-F687-4f45-9708-019B960494DF}">
-              <a14:hiddenLine xmlns:a14="http://schemas.microsoft.com/office/drawing/2010/main" xmlns="" w="9525">
+              <a14:hiddenLine xmlns="" xmlns:a14="http://schemas.microsoft.com/office/drawing/2010/main" w="9525">
                 <a:solidFill>
                   <a:srgbClr val="000000"/>
                 </a:solidFill>
@@ -3272,7 +3272,7 @@
           <a:ln/>
           <a:extLst>
             <a:ext uri="{91240B29-F687-4f45-9708-019B960494DF}">
-              <a14:hiddenLine xmlns:a14="http://schemas.microsoft.com/office/drawing/2010/main" xmlns="" w="9525">
+              <a14:hiddenLine xmlns="" xmlns:a14="http://schemas.microsoft.com/office/drawing/2010/main" w="9525">
                 <a:solidFill>
                   <a:srgbClr val="000000"/>
                 </a:solidFill>
@@ -3611,7 +3611,7 @@
           <a:ln/>
           <a:extLst>
             <a:ext uri="{91240B29-F687-4f45-9708-019B960494DF}">
-              <a14:hiddenLine xmlns:a14="http://schemas.microsoft.com/office/drawing/2010/main" xmlns="" w="9525">
+              <a14:hiddenLine xmlns="" xmlns:a14="http://schemas.microsoft.com/office/drawing/2010/main" w="9525">
                 <a:solidFill>
                   <a:srgbClr val="000000"/>
                 </a:solidFill>
@@ -4088,7 +4088,7 @@
           <a:ln/>
           <a:extLst>
             <a:ext uri="{91240B29-F687-4f45-9708-019B960494DF}">
-              <a14:hiddenLine xmlns:a14="http://schemas.microsoft.com/office/drawing/2010/main" xmlns="" w="9525">
+              <a14:hiddenLine xmlns="" xmlns:a14="http://schemas.microsoft.com/office/drawing/2010/main" w="9525">
                 <a:solidFill>
                   <a:srgbClr val="000000"/>
                 </a:solidFill>
@@ -4517,7 +4517,7 @@
           <a:ln/>
           <a:extLst>
             <a:ext uri="{91240B29-F687-4f45-9708-019B960494DF}">
-              <a14:hiddenLine xmlns:a14="http://schemas.microsoft.com/office/drawing/2010/main" xmlns="" w="9525">
+              <a14:hiddenLine xmlns="" xmlns:a14="http://schemas.microsoft.com/office/drawing/2010/main" w="9525">
                 <a:solidFill>
                   <a:srgbClr val="000000"/>
                 </a:solidFill>
@@ -5852,7 +5852,7 @@
           <a:effectLst/>
           <a:extLst>
             <a:ext uri="{91240B29-F687-4f45-9708-019B960494DF}">
-              <a14:hiddenLine xmlns="" xmlns:a14="http://schemas.microsoft.com/office/drawing/2010/main" xmlns:a16="http://schemas.microsoft.com/office/drawing/2014/main" w="9525">
+              <a14:hiddenLine xmlns:a16="http://schemas.microsoft.com/office/drawing/2014/main" xmlns:a14="http://schemas.microsoft.com/office/drawing/2010/main" xmlns="" w="9525">
                 <a:solidFill>
                   <a:srgbClr val="000000"/>
                 </a:solidFill>
@@ -11120,7 +11120,7 @@
           <a:effectLst/>
           <a:extLst>
             <a:ext uri="{91240B29-F687-4f45-9708-019B960494DF}">
-              <a14:hiddenLine xmlns="" xmlns:a14="http://schemas.microsoft.com/office/drawing/2010/main" xmlns:a16="http://schemas.microsoft.com/office/drawing/2014/main" w="9525">
+              <a14:hiddenLine xmlns:a16="http://schemas.microsoft.com/office/drawing/2014/main" xmlns:a14="http://schemas.microsoft.com/office/drawing/2010/main" xmlns="" w="9525">
                 <a:solidFill>
                   <a:srgbClr val="000000"/>
                 </a:solidFill>
@@ -11241,7 +11241,7 @@
                   <a:schemeClr val="tx1"/>
                 </a:solidFill>
               </a:rPr>
-              <a:t>VIELEN DANK FÜR IHRE AUFMERKSAMKEIT</a:t>
+              <a:t>VIELEN DANK FÜR EURE AUFMERKSAMKEIT</a:t>
             </a:r>
           </a:p>
         </p:txBody>
